--- a/Presentation.pptx
+++ b/Presentation.pptx
@@ -4926,15 +4926,7 @@
             </a:pPr>
             <a:r>
               <a:rPr lang="en-US" dirty="0"/>
-              <a:t>If you do want the sound files, though, they can be found on </a:t>
-            </a:r>
-            <a:r>
-              <a:rPr lang="en-US" dirty="0" err="1"/>
-              <a:t>Youtube</a:t>
-            </a:r>
-            <a:r>
-              <a:rPr lang="en-US" dirty="0"/>
-              <a:t>. The text grids are named with a season and episode number making them easy to find.</a:t>
+              <a:t>If you do want the sound files, though, they can be found on YouTube. The text grids are named with a season and episode number making them easy to find.</a:t>
             </a:r>
           </a:p>
         </p:txBody>
